--- a/20231117/お休み宿題/20231204_宿題→笹岡.pptx
+++ b/20231117/お休み宿題/20231204_宿題→笹岡.pptx
@@ -16715,6 +16715,22 @@
               <a:rPr kumimoji="1" lang="ja-JP" altLang="en-US" dirty="0"/>
               <a:t>依頼</a:t>
             </a:r>
+            <a:endParaRPr kumimoji="1" lang="en-US" altLang="ja-JP" dirty="0"/>
+          </a:p>
+          <a:p>
+            <a:r>
+              <a:rPr lang="ja-JP" altLang="en-US" dirty="0"/>
+              <a:t>・</a:t>
+            </a:r>
+            <a:r>
+              <a:rPr lang="en-US" altLang="ja-JP" dirty="0"/>
+              <a:t>AWS</a:t>
+            </a:r>
+            <a:r>
+              <a:rPr lang="ja-JP" altLang="en-US"/>
+              <a:t>勉強</a:t>
+            </a:r>
+            <a:endParaRPr kumimoji="1" lang="ja-JP" altLang="en-US" dirty="0"/>
           </a:p>
         </p:txBody>
       </p:sp>
